--- a/Illustrations/lapin [Enregistrement automatique].pptx
+++ b/Illustrations/lapin [Enregistrement automatique].pptx
@@ -263,7 +263,7 @@
           <a:p>
             <a:fld id="{F6146AB7-F911-4396-8F90-05B38FE27061}" type="datetimeFigureOut">
               <a:rPr lang="fr-FR" smtClean="0"/>
-              <a:t>03/04/2020</a:t>
+              <a:t>08/04/2020</a:t>
             </a:fld>
             <a:endParaRPr lang="fr-FR"/>
           </a:p>
@@ -461,7 +461,7 @@
           <a:p>
             <a:fld id="{F6146AB7-F911-4396-8F90-05B38FE27061}" type="datetimeFigureOut">
               <a:rPr lang="fr-FR" smtClean="0"/>
-              <a:t>03/04/2020</a:t>
+              <a:t>08/04/2020</a:t>
             </a:fld>
             <a:endParaRPr lang="fr-FR"/>
           </a:p>
@@ -669,7 +669,7 @@
           <a:p>
             <a:fld id="{F6146AB7-F911-4396-8F90-05B38FE27061}" type="datetimeFigureOut">
               <a:rPr lang="fr-FR" smtClean="0"/>
-              <a:t>03/04/2020</a:t>
+              <a:t>08/04/2020</a:t>
             </a:fld>
             <a:endParaRPr lang="fr-FR"/>
           </a:p>
@@ -867,7 +867,7 @@
           <a:p>
             <a:fld id="{F6146AB7-F911-4396-8F90-05B38FE27061}" type="datetimeFigureOut">
               <a:rPr lang="fr-FR" smtClean="0"/>
-              <a:t>03/04/2020</a:t>
+              <a:t>08/04/2020</a:t>
             </a:fld>
             <a:endParaRPr lang="fr-FR"/>
           </a:p>
@@ -1142,7 +1142,7 @@
           <a:p>
             <a:fld id="{F6146AB7-F911-4396-8F90-05B38FE27061}" type="datetimeFigureOut">
               <a:rPr lang="fr-FR" smtClean="0"/>
-              <a:t>03/04/2020</a:t>
+              <a:t>08/04/2020</a:t>
             </a:fld>
             <a:endParaRPr lang="fr-FR"/>
           </a:p>
@@ -1407,7 +1407,7 @@
           <a:p>
             <a:fld id="{F6146AB7-F911-4396-8F90-05B38FE27061}" type="datetimeFigureOut">
               <a:rPr lang="fr-FR" smtClean="0"/>
-              <a:t>03/04/2020</a:t>
+              <a:t>08/04/2020</a:t>
             </a:fld>
             <a:endParaRPr lang="fr-FR"/>
           </a:p>
@@ -1819,7 +1819,7 @@
           <a:p>
             <a:fld id="{F6146AB7-F911-4396-8F90-05B38FE27061}" type="datetimeFigureOut">
               <a:rPr lang="fr-FR" smtClean="0"/>
-              <a:t>03/04/2020</a:t>
+              <a:t>08/04/2020</a:t>
             </a:fld>
             <a:endParaRPr lang="fr-FR"/>
           </a:p>
@@ -1960,7 +1960,7 @@
           <a:p>
             <a:fld id="{F6146AB7-F911-4396-8F90-05B38FE27061}" type="datetimeFigureOut">
               <a:rPr lang="fr-FR" smtClean="0"/>
-              <a:t>03/04/2020</a:t>
+              <a:t>08/04/2020</a:t>
             </a:fld>
             <a:endParaRPr lang="fr-FR"/>
           </a:p>
@@ -2073,7 +2073,7 @@
           <a:p>
             <a:fld id="{F6146AB7-F911-4396-8F90-05B38FE27061}" type="datetimeFigureOut">
               <a:rPr lang="fr-FR" smtClean="0"/>
-              <a:t>03/04/2020</a:t>
+              <a:t>08/04/2020</a:t>
             </a:fld>
             <a:endParaRPr lang="fr-FR"/>
           </a:p>
@@ -2384,7 +2384,7 @@
           <a:p>
             <a:fld id="{F6146AB7-F911-4396-8F90-05B38FE27061}" type="datetimeFigureOut">
               <a:rPr lang="fr-FR" smtClean="0"/>
-              <a:t>03/04/2020</a:t>
+              <a:t>08/04/2020</a:t>
             </a:fld>
             <a:endParaRPr lang="fr-FR"/>
           </a:p>
@@ -2672,7 +2672,7 @@
           <a:p>
             <a:fld id="{F6146AB7-F911-4396-8F90-05B38FE27061}" type="datetimeFigureOut">
               <a:rPr lang="fr-FR" smtClean="0"/>
-              <a:t>03/04/2020</a:t>
+              <a:t>08/04/2020</a:t>
             </a:fld>
             <a:endParaRPr lang="fr-FR"/>
           </a:p>
@@ -2913,7 +2913,7 @@
           <a:p>
             <a:fld id="{F6146AB7-F911-4396-8F90-05B38FE27061}" type="datetimeFigureOut">
               <a:rPr lang="fr-FR" smtClean="0"/>
-              <a:t>03/04/2020</a:t>
+              <a:t>08/04/2020</a:t>
             </a:fld>
             <a:endParaRPr lang="fr-FR"/>
           </a:p>
@@ -11537,10 +11537,10 @@
       </p:grpSp>
       <p:grpSp>
         <p:nvGrpSpPr>
-          <p:cNvPr id="4" name="Groupe 3">
+          <p:cNvPr id="3" name="Groupe 2">
             <a:extLst>
               <a:ext uri="{FF2B5EF4-FFF2-40B4-BE49-F238E27FC236}">
-                <a16:creationId xmlns:a16="http://schemas.microsoft.com/office/drawing/2014/main" id="{FB8FC05B-D570-40D7-A3D1-E1CBC98F9A55}"/>
+                <a16:creationId xmlns:a16="http://schemas.microsoft.com/office/drawing/2014/main" id="{A3B8577B-9E1D-4310-B197-2A4B803E135D}"/>
               </a:ext>
             </a:extLst>
           </p:cNvPr>
@@ -11551,7 +11551,7 @@
           <a:xfrm>
             <a:off x="9081596" y="1130861"/>
             <a:ext cx="1108606" cy="1208604"/>
-            <a:chOff x="8309424" y="850178"/>
+            <a:chOff x="9081596" y="1130861"/>
             <a:chExt cx="1108606" cy="1208604"/>
           </a:xfrm>
         </p:grpSpPr>
@@ -11569,11 +11569,16 @@
           </p:nvGrpSpPr>
           <p:grpSpPr>
             <a:xfrm>
-              <a:off x="8311707" y="900357"/>
+              <a:off x="9083879" y="1181040"/>
               <a:ext cx="1106323" cy="944417"/>
               <a:chOff x="5299967" y="435703"/>
               <a:chExt cx="1106323" cy="944417"/>
             </a:xfrm>
+            <a:solidFill>
+              <a:schemeClr val="accent4">
+                <a:lumMod val="75000"/>
+              </a:schemeClr>
+            </a:solidFill>
           </p:grpSpPr>
           <p:sp>
             <p:nvSpPr>
@@ -11596,7 +11601,7 @@
                 <a:avLst/>
               </a:prstGeom>
               <a:solidFill>
-                <a:srgbClr val="FF0000"/>
+                <a:schemeClr val="accent4"/>
               </a:solidFill>
               <a:ln>
                 <a:noFill/>
@@ -11648,7 +11653,7 @@
                 <a:avLst/>
               </a:prstGeom>
               <a:solidFill>
-                <a:srgbClr val="FF0000"/>
+                <a:schemeClr val="accent4"/>
               </a:solidFill>
               <a:ln>
                 <a:noFill/>
@@ -11675,7 +11680,7 @@
               <a:lstStyle/>
               <a:p>
                 <a:pPr algn="ctr"/>
-                <a:endParaRPr lang="fr-FR"/>
+                <a:endParaRPr lang="fr-FR" dirty="0"/>
               </a:p>
             </p:txBody>
           </p:sp>
@@ -11701,7 +11706,7 @@
               </a:prstGeom>
               <a:solidFill>
                 <a:schemeClr val="accent6">
-                  <a:lumMod val="50000"/>
+                  <a:lumMod val="75000"/>
                 </a:schemeClr>
               </a:solidFill>
               <a:ln>
@@ -11754,11 +11759,13 @@
                 <a:avLst/>
               </a:prstGeom>
               <a:solidFill>
-                <a:srgbClr val="760000"/>
+                <a:schemeClr val="tx1"/>
               </a:solidFill>
               <a:ln>
                 <a:solidFill>
-                  <a:srgbClr val="C00000"/>
+                  <a:schemeClr val="accent4">
+                    <a:lumMod val="50000"/>
+                  </a:schemeClr>
                 </a:solidFill>
               </a:ln>
             </p:spPr>
@@ -11809,6 +11816,7 @@
               <a:prstGeom prst="line">
                 <a:avLst/>
               </a:prstGeom>
+              <a:grpFill/>
               <a:ln w="28575">
                 <a:solidFill>
                   <a:schemeClr val="accent2">
@@ -11855,6 +11863,7 @@
               <a:prstGeom prst="line">
                 <a:avLst/>
               </a:prstGeom>
+              <a:grpFill/>
               <a:ln w="3175">
                 <a:solidFill>
                   <a:srgbClr val="003300"/>
@@ -11898,7 +11907,7 @@
           </p:nvSpPr>
           <p:spPr>
             <a:xfrm rot="15768722">
-              <a:off x="8258760" y="900842"/>
+              <a:off x="9030932" y="1181525"/>
               <a:ext cx="1208604" cy="1107276"/>
             </a:xfrm>
             <a:prstGeom prst="chord">
@@ -11908,34 +11917,34 @@
               </a:avLst>
             </a:prstGeom>
             <a:solidFill>
-              <a:srgbClr val="FF0000"/>
-            </a:solidFill>
-            <a:ln>
-              <a:noFill/>
-            </a:ln>
-          </p:spPr>
-          <p:style>
-            <a:lnRef idx="2">
-              <a:schemeClr val="accent1">
-                <a:shade val="50000"/>
-              </a:schemeClr>
-            </a:lnRef>
-            <a:fillRef idx="1">
-              <a:schemeClr val="accent1"/>
-            </a:fillRef>
-            <a:effectRef idx="0">
-              <a:schemeClr val="accent1"/>
-            </a:effectRef>
-            <a:fontRef idx="minor">
-              <a:schemeClr val="lt1"/>
-            </a:fontRef>
-          </p:style>
-          <p:txBody>
-            <a:bodyPr rtlCol="0" anchor="ctr"/>
-            <a:lstStyle/>
-            <a:p>
-              <a:pPr algn="ctr"/>
-              <a:endParaRPr lang="fr-FR"/>
+              <a:schemeClr val="accent4"/>
+            </a:solidFill>
+            <a:ln>
+              <a:noFill/>
+            </a:ln>
+          </p:spPr>
+          <p:style>
+            <a:lnRef idx="2">
+              <a:schemeClr val="accent1">
+                <a:shade val="50000"/>
+              </a:schemeClr>
+            </a:lnRef>
+            <a:fillRef idx="1">
+              <a:schemeClr val="accent1"/>
+            </a:fillRef>
+            <a:effectRef idx="0">
+              <a:schemeClr val="accent1"/>
+            </a:effectRef>
+            <a:fontRef idx="minor">
+              <a:schemeClr val="lt1"/>
+            </a:fontRef>
+          </p:style>
+          <p:txBody>
+            <a:bodyPr rtlCol="0" anchor="ctr"/>
+            <a:lstStyle/>
+            <a:p>
+              <a:pPr algn="ctr"/>
+              <a:endParaRPr lang="fr-FR" dirty="0"/>
             </a:p>
           </p:txBody>
         </p:sp>
@@ -15806,41 +15815,6 @@
           </p:txBody>
         </p:sp>
       </p:grpSp>
-      <p:pic>
-        <p:nvPicPr>
-          <p:cNvPr id="148" name="Image 147" descr="Une image contenant pièce&#10;&#10;Description générée automatiquement">
-            <a:extLst>
-              <a:ext uri="{FF2B5EF4-FFF2-40B4-BE49-F238E27FC236}">
-                <a16:creationId xmlns:a16="http://schemas.microsoft.com/office/drawing/2014/main" id="{40388BCB-21CA-4C25-BD08-D540128F734B}"/>
-              </a:ext>
-            </a:extLst>
-          </p:cNvPr>
-          <p:cNvPicPr>
-            <a:picLocks noChangeAspect="1"/>
-          </p:cNvPicPr>
-          <p:nvPr/>
-        </p:nvPicPr>
-        <p:blipFill rotWithShape="1">
-          <a:blip r:embed="rId3">
-            <a:extLst>
-              <a:ext uri="{28A0092B-C50C-407E-A947-70E740481C1C}">
-                <a14:useLocalDpi xmlns:a14="http://schemas.microsoft.com/office/drawing/2010/main" val="0"/>
-              </a:ext>
-            </a:extLst>
-          </a:blip>
-          <a:srcRect t="-1" b="8008"/>
-          <a:stretch/>
-        </p:blipFill>
-        <p:spPr>
-          <a:xfrm>
-            <a:off x="5334365" y="1192880"/>
-            <a:ext cx="3566469" cy="4077833"/>
-          </a:xfrm>
-          <a:prstGeom prst="rect">
-            <a:avLst/>
-          </a:prstGeom>
-        </p:spPr>
-      </p:pic>
       <p:sp>
         <p:nvSpPr>
           <p:cNvPr id="150" name="Corde 149">
@@ -16065,6 +16039,176 @@
           </a:p>
         </p:txBody>
       </p:sp>
+      <p:grpSp>
+        <p:nvGrpSpPr>
+          <p:cNvPr id="40" name="Groupe 39">
+            <a:extLst>
+              <a:ext uri="{FF2B5EF4-FFF2-40B4-BE49-F238E27FC236}">
+                <a16:creationId xmlns:a16="http://schemas.microsoft.com/office/drawing/2014/main" id="{29105F6E-D0E6-422E-9E1E-A3A6C9DB488B}"/>
+              </a:ext>
+            </a:extLst>
+          </p:cNvPr>
+          <p:cNvGrpSpPr/>
+          <p:nvPr/>
+        </p:nvGrpSpPr>
+        <p:grpSpPr>
+          <a:xfrm>
+            <a:off x="5170725" y="2472828"/>
+            <a:ext cx="3566469" cy="3143531"/>
+            <a:chOff x="5170725" y="2472828"/>
+            <a:chExt cx="3566469" cy="3143531"/>
+          </a:xfrm>
+        </p:grpSpPr>
+        <p:pic>
+          <p:nvPicPr>
+            <p:cNvPr id="148" name="Image 147" descr="Une image contenant pièce&#10;&#10;Description générée automatiquement">
+              <a:extLst>
+                <a:ext uri="{FF2B5EF4-FFF2-40B4-BE49-F238E27FC236}">
+                  <a16:creationId xmlns:a16="http://schemas.microsoft.com/office/drawing/2014/main" id="{40388BCB-21CA-4C25-BD08-D540128F734B}"/>
+                </a:ext>
+              </a:extLst>
+            </p:cNvPr>
+            <p:cNvPicPr>
+              <a:picLocks noChangeAspect="1"/>
+            </p:cNvPicPr>
+            <p:nvPr/>
+          </p:nvPicPr>
+          <p:blipFill rotWithShape="1">
+            <a:blip r:embed="rId3">
+              <a:extLst>
+                <a:ext uri="{28A0092B-C50C-407E-A947-70E740481C1C}">
+                  <a14:useLocalDpi xmlns:a14="http://schemas.microsoft.com/office/drawing/2010/main" val="0"/>
+                </a:ext>
+              </a:extLst>
+            </a:blip>
+            <a:srcRect t="23361" b="8008"/>
+            <a:stretch/>
+          </p:blipFill>
+          <p:spPr>
+            <a:xfrm>
+              <a:off x="5170725" y="2574054"/>
+              <a:ext cx="3566469" cy="3042305"/>
+            </a:xfrm>
+            <a:prstGeom prst="rect">
+              <a:avLst/>
+            </a:prstGeom>
+          </p:spPr>
+        </p:pic>
+        <p:sp>
+          <p:nvSpPr>
+            <p:cNvPr id="27" name="Arc plein 26">
+              <a:extLst>
+                <a:ext uri="{FF2B5EF4-FFF2-40B4-BE49-F238E27FC236}">
+                  <a16:creationId xmlns:a16="http://schemas.microsoft.com/office/drawing/2014/main" id="{9A46C5FA-5A12-4DD3-B078-2D7A0AC24CD9}"/>
+                </a:ext>
+              </a:extLst>
+            </p:cNvPr>
+            <p:cNvSpPr/>
+            <p:nvPr/>
+          </p:nvSpPr>
+          <p:spPr>
+            <a:xfrm>
+              <a:off x="5461373" y="2472828"/>
+              <a:ext cx="2698557" cy="267454"/>
+            </a:xfrm>
+            <a:prstGeom prst="blockArc">
+              <a:avLst>
+                <a:gd name="adj1" fmla="val 344044"/>
+                <a:gd name="adj2" fmla="val 291112"/>
+                <a:gd name="adj3" fmla="val 30169"/>
+              </a:avLst>
+            </a:prstGeom>
+            <a:solidFill>
+              <a:schemeClr val="accent4">
+                <a:lumMod val="50000"/>
+              </a:schemeClr>
+            </a:solidFill>
+            <a:ln>
+              <a:noFill/>
+            </a:ln>
+          </p:spPr>
+          <p:style>
+            <a:lnRef idx="2">
+              <a:schemeClr val="accent1">
+                <a:shade val="50000"/>
+              </a:schemeClr>
+            </a:lnRef>
+            <a:fillRef idx="1">
+              <a:schemeClr val="accent1"/>
+            </a:fillRef>
+            <a:effectRef idx="0">
+              <a:schemeClr val="accent1"/>
+            </a:effectRef>
+            <a:fontRef idx="minor">
+              <a:schemeClr val="lt1"/>
+            </a:fontRef>
+          </p:style>
+          <p:txBody>
+            <a:bodyPr rtlCol="0" anchor="ctr"/>
+            <a:lstStyle/>
+            <a:p>
+              <a:pPr algn="ctr"/>
+              <a:endParaRPr lang="fr-FR">
+                <a:solidFill>
+                  <a:schemeClr val="tx1"/>
+                </a:solidFill>
+              </a:endParaRPr>
+            </a:p>
+          </p:txBody>
+        </p:sp>
+        <p:sp>
+          <p:nvSpPr>
+            <p:cNvPr id="39" name="Ellipse 38">
+              <a:extLst>
+                <a:ext uri="{FF2B5EF4-FFF2-40B4-BE49-F238E27FC236}">
+                  <a16:creationId xmlns:a16="http://schemas.microsoft.com/office/drawing/2014/main" id="{B671D2F0-458C-429B-AFA1-580DBAFB2CC6}"/>
+                </a:ext>
+              </a:extLst>
+            </p:cNvPr>
+            <p:cNvSpPr/>
+            <p:nvPr/>
+          </p:nvSpPr>
+          <p:spPr>
+            <a:xfrm>
+              <a:off x="5695406" y="2507664"/>
+              <a:ext cx="2177141" cy="211295"/>
+            </a:xfrm>
+            <a:prstGeom prst="ellipse">
+              <a:avLst/>
+            </a:prstGeom>
+            <a:solidFill>
+              <a:srgbClr val="463500"/>
+            </a:solidFill>
+            <a:ln>
+              <a:noFill/>
+            </a:ln>
+          </p:spPr>
+          <p:style>
+            <a:lnRef idx="2">
+              <a:schemeClr val="accent1">
+                <a:shade val="50000"/>
+              </a:schemeClr>
+            </a:lnRef>
+            <a:fillRef idx="1">
+              <a:schemeClr val="accent1"/>
+            </a:fillRef>
+            <a:effectRef idx="0">
+              <a:schemeClr val="accent1"/>
+            </a:effectRef>
+            <a:fontRef idx="minor">
+              <a:schemeClr val="lt1"/>
+            </a:fontRef>
+          </p:style>
+          <p:txBody>
+            <a:bodyPr rtlCol="0" anchor="ctr"/>
+            <a:lstStyle/>
+            <a:p>
+              <a:pPr algn="ctr"/>
+              <a:endParaRPr lang="fr-FR"/>
+            </a:p>
+          </p:txBody>
+        </p:sp>
+      </p:grpSp>
     </p:spTree>
     <p:extLst>
       <p:ext uri="{BB962C8B-B14F-4D97-AF65-F5344CB8AC3E}">

--- a/Illustrations/lapin [Enregistrement automatique].pptx
+++ b/Illustrations/lapin [Enregistrement automatique].pptx
@@ -9134,7 +9134,7 @@
                   </a:solidFill>
                   <a:latin typeface="Ravie" panose="04040805050809020602" pitchFamily="82" charset="0"/>
                 </a:rPr>
-                <a:t>HAHA!</a:t>
+                <a:t>Shhh!</a:t>
               </a:r>
             </a:p>
           </p:txBody>
